--- a/Group presentation LEADS updated.pptx
+++ b/Group presentation LEADS updated.pptx
@@ -9605,7 +9605,7 @@
             </a:r>
             <a:r>
               <a:rPr lang="en-US" sz="1600" dirty="0" smtClean="0"/>
-              <a:t>Report.</a:t>
+              <a:t>Report:</a:t>
             </a:r>
           </a:p>
           <a:p>
@@ -9615,7 +9615,7 @@
             </a:pPr>
             <a:r>
               <a:rPr lang="en-US" sz="1600" dirty="0" smtClean="0"/>
-              <a:t>Market</a:t>
+              <a:t>Market research</a:t>
             </a:r>
           </a:p>
           <a:p>
@@ -9670,7 +9670,7 @@
             </a:pPr>
             <a:r>
               <a:rPr lang="en-US" sz="1600" dirty="0" smtClean="0"/>
-              <a:t>Stakeholder</a:t>
+              <a:t>Stakeholders</a:t>
             </a:r>
           </a:p>
           <a:p>
@@ -9720,7 +9720,7 @@
             </a:pPr>
             <a:r>
               <a:rPr lang="en-US" sz="1600" dirty="0" smtClean="0"/>
-              <a:t>Society acceptance</a:t>
+              <a:t>Social acceptance</a:t>
             </a:r>
             <a:endParaRPr lang="en-US" sz="1600" dirty="0"/>
           </a:p>
@@ -9992,8 +9992,8 @@
         </p:nvSpPr>
         <p:spPr>
           <a:xfrm>
-            <a:off x="3650985" y="899625"/>
-            <a:ext cx="1759352" cy="400110"/>
+            <a:off x="3479019" y="899625"/>
+            <a:ext cx="2090058" cy="461665"/>
           </a:xfrm>
           <a:prstGeom prst="rect">
             <a:avLst/>
@@ -10020,7 +10020,7 @@
           <a:p>
             <a:pPr algn="ctr"/>
             <a:r>
-              <a:rPr lang="en-US" sz="2000" b="1" spc="150" dirty="0" smtClean="0">
+              <a:rPr lang="en-US" sz="2400" b="1" spc="150" dirty="0" smtClean="0">
                 <a:ln w="11430"/>
                 <a:solidFill>
                   <a:srgbClr val="7F7F7F"/>
@@ -10035,7 +10035,7 @@
               </a:rPr>
               <a:t>Participants</a:t>
             </a:r>
-            <a:endParaRPr lang="en-US" sz="2000" b="1" spc="150" dirty="0">
+            <a:endParaRPr lang="en-US" sz="2400" b="1" spc="150" dirty="0">
               <a:ln w="11430"/>
               <a:solidFill>
                 <a:srgbClr val="7F7F7F"/>
@@ -10778,8 +10778,16 @@
               <a:buChar char="•"/>
             </a:pPr>
             <a:r>
+              <a:rPr lang="en-US" sz="1600" dirty="0" smtClean="0"/>
+              <a:t>Get to know each other better </a:t>
+            </a:r>
+            <a:r>
               <a:rPr lang="en-US" sz="1600" dirty="0"/>
-              <a:t>We as a team know better each other</a:t>
+              <a:t>as a </a:t>
+            </a:r>
+            <a:r>
+              <a:rPr lang="en-US" sz="1600" dirty="0" smtClean="0"/>
+              <a:t>team</a:t>
             </a:r>
           </a:p>
           <a:p>
@@ -10792,7 +10800,15 @@
             </a:pPr>
             <a:r>
               <a:rPr lang="en-US" sz="1600" dirty="0"/>
-              <a:t>Improved knowledge about the management of a project and its different tools</a:t>
+              <a:t>Improved knowledge about the management of a project and </a:t>
+            </a:r>
+            <a:r>
+              <a:rPr lang="en-US" sz="1600" dirty="0" smtClean="0"/>
+              <a:t>useful </a:t>
+            </a:r>
+            <a:r>
+              <a:rPr lang="en-US" sz="1600" dirty="0"/>
+              <a:t>tools</a:t>
             </a:r>
           </a:p>
           <a:p>
@@ -10805,7 +10821,15 @@
             </a:pPr>
             <a:r>
               <a:rPr lang="en-US" sz="1600" dirty="0"/>
-              <a:t>A good mark  for the course</a:t>
+              <a:t>A good </a:t>
+            </a:r>
+            <a:r>
+              <a:rPr lang="en-US" sz="1600" dirty="0" smtClean="0"/>
+              <a:t>grade  </a:t>
+            </a:r>
+            <a:r>
+              <a:rPr lang="en-US" sz="1600" dirty="0"/>
+              <a:t>for the course</a:t>
             </a:r>
           </a:p>
           <a:p>
@@ -10818,8 +10842,13 @@
             </a:pPr>
             <a:r>
               <a:rPr lang="en-US" sz="1600" dirty="0"/>
-              <a:t>Get inspired by this market for our career</a:t>
-            </a:r>
+              <a:t>Get inspired by this market for our </a:t>
+            </a:r>
+            <a:r>
+              <a:rPr lang="en-US" sz="1600" dirty="0" smtClean="0"/>
+              <a:t>future career</a:t>
+            </a:r>
+            <a:endParaRPr lang="en-US" sz="1600" dirty="0"/>
           </a:p>
         </p:txBody>
       </p:sp>
@@ -10832,7 +10861,7 @@
         <p:spPr>
           <a:xfrm>
             <a:off x="3479018" y="1746335"/>
-            <a:ext cx="2090057" cy="3539430"/>
+            <a:ext cx="2090057" cy="3785652"/>
           </a:xfrm>
           <a:prstGeom prst="rect">
             <a:avLst/>
@@ -10850,7 +10879,15 @@
             </a:pPr>
             <a:r>
               <a:rPr lang="en-US" sz="1600" dirty="0"/>
-              <a:t>Companies develop better strategies and decisions about this </a:t>
+              <a:t>Companies develop better strategies and decisions </a:t>
+            </a:r>
+            <a:r>
+              <a:rPr lang="en-US" sz="1600" dirty="0" smtClean="0"/>
+              <a:t>concerning </a:t>
+            </a:r>
+            <a:r>
+              <a:rPr lang="en-US" sz="1600" dirty="0"/>
+              <a:t>this </a:t>
             </a:r>
             <a:r>
               <a:rPr lang="en-US" sz="1600" dirty="0" smtClean="0"/>
@@ -10867,7 +10904,15 @@
             </a:pPr>
             <a:r>
               <a:rPr lang="en-US" sz="1600" dirty="0"/>
-              <a:t>Help new innovative companies enter the market</a:t>
+              <a:t>Help new innovative companies enter </a:t>
+            </a:r>
+            <a:r>
+              <a:rPr lang="en-US" sz="1600" dirty="0" smtClean="0"/>
+              <a:t>this </a:t>
+            </a:r>
+            <a:r>
+              <a:rPr lang="en-US" sz="1600" dirty="0"/>
+              <a:t>market</a:t>
             </a:r>
           </a:p>
           <a:p>
@@ -11000,8 +11045,8 @@
         </p:nvSpPr>
         <p:spPr>
           <a:xfrm>
-            <a:off x="1373066" y="2932609"/>
-            <a:ext cx="6397892" cy="830997"/>
+            <a:off x="1044252" y="2932609"/>
+            <a:ext cx="7055524" cy="830997"/>
           </a:xfrm>
           <a:prstGeom prst="rect">
             <a:avLst/>
@@ -11031,7 +11076,7 @@
                   <a:srgbClr val="7F7F7F"/>
                 </a:solidFill>
               </a:rPr>
-              <a:t>Based on the following</a:t>
+              <a:t>Considering the following</a:t>
             </a:r>
             <a:r>
               <a:rPr lang="en-US" sz="4800" i="1" dirty="0" smtClean="0">
